--- a/docs/draw.pptx
+++ b/docs/draw.pptx
@@ -10,9 +10,11 @@
     <p:sldId id="261" r:id="rId4"/>
     <p:sldId id="263" r:id="rId5"/>
     <p:sldId id="262" r:id="rId6"/>
-    <p:sldId id="258" r:id="rId7"/>
-    <p:sldId id="259" r:id="rId8"/>
-    <p:sldId id="260" r:id="rId9"/>
+    <p:sldId id="265" r:id="rId7"/>
+    <p:sldId id="264" r:id="rId8"/>
+    <p:sldId id="258" r:id="rId9"/>
+    <p:sldId id="259" r:id="rId10"/>
+    <p:sldId id="260" r:id="rId11"/>
   </p:sldIdLst>
   <p:sldSz cx="12192000" cy="6858000"/>
   <p:notesSz cx="6858000" cy="9144000"/>
@@ -7741,6 +7743,117 @@
 </p:sld>
 </file>
 
+<file path=ppt/slides/slide10.xml><?xml version="1.0" encoding="utf-8"?>
+<p:sld xmlns:a="http://schemas.openxmlformats.org/drawingml/2006/main" xmlns:r="http://schemas.openxmlformats.org/officeDocument/2006/relationships" xmlns:p="http://schemas.openxmlformats.org/presentationml/2006/main">
+  <p:cSld>
+    <p:spTree>
+      <p:nvGrpSpPr>
+        <p:cNvPr id="1" name=""/>
+        <p:cNvGrpSpPr/>
+        <p:nvPr/>
+      </p:nvGrpSpPr>
+      <p:grpSpPr>
+        <a:xfrm>
+          <a:off x="0" y="0"/>
+          <a:ext cx="0" cy="0"/>
+          <a:chOff x="0" y="0"/>
+          <a:chExt cx="0" cy="0"/>
+        </a:xfrm>
+      </p:grpSpPr>
+      <p:sp>
+        <p:nvSpPr>
+          <p:cNvPr id="2" name="标题 1"/>
+          <p:cNvSpPr>
+            <a:spLocks noGrp="1"/>
+          </p:cNvSpPr>
+          <p:nvPr>
+            <p:ph type="title"/>
+          </p:nvPr>
+        </p:nvSpPr>
+        <p:spPr/>
+        <p:txBody>
+          <a:bodyPr/>
+          <a:lstStyle/>
+          <a:p>
+            <a:r>
+              <a:rPr lang="zh-CN" altLang="en-US" b="1" dirty="0" smtClean="0">
+                <a:latin typeface="华文楷体" pitchFamily="2" charset="-122"/>
+                <a:ea typeface="华文楷体" pitchFamily="2" charset="-122"/>
+              </a:rPr>
+              <a:t>第</a:t>
+            </a:r>
+            <a:r>
+              <a:rPr lang="en-US" altLang="zh-CN" b="1" dirty="0" smtClean="0">
+                <a:latin typeface="华文楷体" pitchFamily="2" charset="-122"/>
+                <a:ea typeface="华文楷体" pitchFamily="2" charset="-122"/>
+              </a:rPr>
+              <a:t>4</a:t>
+            </a:r>
+            <a:r>
+              <a:rPr lang="zh-CN" altLang="en-US" b="1" dirty="0">
+                <a:latin typeface="华文楷体" pitchFamily="2" charset="-122"/>
+                <a:ea typeface="华文楷体" pitchFamily="2" charset="-122"/>
+              </a:rPr>
+              <a:t>章扩展功能</a:t>
+            </a:r>
+            <a:endParaRPr lang="zh-CN" altLang="en-US" dirty="0"/>
+          </a:p>
+        </p:txBody>
+      </p:sp>
+      <p:sp>
+        <p:nvSpPr>
+          <p:cNvPr id="3" name="内容占位符 2"/>
+          <p:cNvSpPr>
+            <a:spLocks noGrp="1"/>
+          </p:cNvSpPr>
+          <p:nvPr>
+            <p:ph idx="1"/>
+          </p:nvPr>
+        </p:nvSpPr>
+        <p:spPr/>
+        <p:txBody>
+          <a:bodyPr/>
+          <a:lstStyle/>
+          <a:p>
+            <a:r>
+              <a:rPr lang="zh-CN" altLang="en-US" dirty="0"/>
+              <a:t>支持颜色选择和画笔大小设置</a:t>
+            </a:r>
+          </a:p>
+          <a:p>
+            <a:r>
+              <a:rPr lang="zh-CN" altLang="en-US" dirty="0"/>
+              <a:t>撤销和重做功能</a:t>
+            </a:r>
+          </a:p>
+          <a:p>
+            <a:r>
+              <a:rPr lang="zh-CN" altLang="en-US" dirty="0"/>
+              <a:t>实现图形项的移动和缩放</a:t>
+            </a:r>
+          </a:p>
+        </p:txBody>
+      </p:sp>
+    </p:spTree>
+    <p:extLst>
+      <p:ext uri="{BB962C8B-B14F-4D97-AF65-F5344CB8AC3E}">
+        <p14:creationId xmlns:p14="http://schemas.microsoft.com/office/powerpoint/2010/main" val="2413468171"/>
+      </p:ext>
+    </p:extLst>
+  </p:cSld>
+  <p:clrMapOvr>
+    <a:masterClrMapping/>
+  </p:clrMapOvr>
+  <p:timing>
+    <p:tnLst>
+      <p:par>
+        <p:cTn id="1" dur="indefinite" restart="never" nodeType="tmRoot"/>
+      </p:par>
+    </p:tnLst>
+  </p:timing>
+</p:sld>
+</file>
+
 <file path=ppt/slides/slide2.xml><?xml version="1.0" encoding="utf-8"?>
 <p:sld xmlns:a="http://schemas.openxmlformats.org/drawingml/2006/main" xmlns:r="http://schemas.openxmlformats.org/officeDocument/2006/relationships" xmlns:p="http://schemas.openxmlformats.org/presentationml/2006/main">
   <p:cSld>
@@ -7828,17 +7941,53 @@
           <a:lstStyle/>
           <a:p>
             <a:r>
+              <a:rPr lang="zh-CN" altLang="en-US" dirty="0"/>
+              <a:t>本课程将介绍如何使用</a:t>
+            </a:r>
+            <a:r>
               <a:rPr lang="en-US" altLang="zh-CN" dirty="0" err="1"/>
               <a:t>Qt</a:t>
             </a:r>
             <a:r>
+              <a:rPr lang="zh-CN" altLang="en-US" dirty="0"/>
+              <a:t>的</a:t>
+            </a:r>
+            <a:r>
               <a:rPr lang="en-US" altLang="zh-CN" dirty="0"/>
-              <a:t> Graphics View</a:t>
+              <a:t>Graphics View Framework</a:t>
             </a:r>
             <a:r>
               <a:rPr lang="zh-CN" altLang="en-US" dirty="0"/>
-              <a:t>框架的概述</a:t>
-            </a:r>
+              <a:t>来实现一个简单的白板软件。在课程中，我们会一步步从基础概念和简单代码开始，逐步增加功能并完善代码结构。课程分为几个模块，每个模块会介绍一个新的概念或功能，并对现有代码进行扩展和优化。 </a:t>
+            </a:r>
+            <a:r>
+              <a:rPr lang="en-US" altLang="zh-CN" dirty="0" err="1" smtClean="0"/>
+              <a:t>Qt</a:t>
+            </a:r>
+            <a:r>
+              <a:rPr lang="en-US" altLang="zh-CN" dirty="0" smtClean="0"/>
+              <a:t> </a:t>
+            </a:r>
+            <a:r>
+              <a:rPr lang="en-US" altLang="zh-CN" dirty="0"/>
+              <a:t>Graphics View</a:t>
+            </a:r>
+            <a:r>
+              <a:rPr lang="zh-CN" altLang="en-US" dirty="0"/>
+              <a:t>框架的</a:t>
+            </a:r>
+            <a:r>
+              <a:rPr lang="zh-CN" altLang="en-US" dirty="0" smtClean="0"/>
+              <a:t>概述</a:t>
+            </a:r>
+            <a:endParaRPr lang="en-US" altLang="zh-CN" dirty="0" smtClean="0"/>
+          </a:p>
+          <a:p>
+            <a:r>
+              <a:rPr lang="zh-CN" altLang="en-US" dirty="0"/>
+              <a:t>我们将从基础的概念入手，逐步引入更复杂的功能，并通过不断迭代和升级代码来加深理解。</a:t>
+            </a:r>
+            <a:endParaRPr lang="zh-CN" altLang="en-US" dirty="0"/>
           </a:p>
           <a:p>
             <a:r>
@@ -8235,6 +8384,184 @@
           <a:lstStyle/>
           <a:p>
             <a:r>
+              <a:rPr lang="zh-CN" altLang="en-US" dirty="0"/>
+              <a:t>类图</a:t>
+            </a:r>
+          </a:p>
+        </p:txBody>
+      </p:sp>
+      <p:sp>
+        <p:nvSpPr>
+          <p:cNvPr id="3" name="内容占位符 2"/>
+          <p:cNvSpPr>
+            <a:spLocks noGrp="1"/>
+          </p:cNvSpPr>
+          <p:nvPr>
+            <p:ph idx="1"/>
+          </p:nvPr>
+        </p:nvSpPr>
+        <p:spPr/>
+        <p:txBody>
+          <a:bodyPr/>
+          <a:lstStyle/>
+          <a:p>
+            <a:endParaRPr lang="zh-CN" altLang="en-US"/>
+          </a:p>
+        </p:txBody>
+      </p:sp>
+    </p:spTree>
+    <p:extLst>
+      <p:ext uri="{BB962C8B-B14F-4D97-AF65-F5344CB8AC3E}">
+        <p14:creationId xmlns:p14="http://schemas.microsoft.com/office/powerpoint/2010/main" val="3371770004"/>
+      </p:ext>
+    </p:extLst>
+  </p:cSld>
+  <p:clrMapOvr>
+    <a:masterClrMapping/>
+  </p:clrMapOvr>
+</p:sld>
+</file>
+
+<file path=ppt/slides/slide7.xml><?xml version="1.0" encoding="utf-8"?>
+<p:sld xmlns:a="http://schemas.openxmlformats.org/drawingml/2006/main" xmlns:r="http://schemas.openxmlformats.org/officeDocument/2006/relationships" xmlns:p="http://schemas.openxmlformats.org/presentationml/2006/main">
+  <p:cSld>
+    <p:spTree>
+      <p:nvGrpSpPr>
+        <p:cNvPr id="1" name=""/>
+        <p:cNvGrpSpPr/>
+        <p:nvPr/>
+      </p:nvGrpSpPr>
+      <p:grpSpPr>
+        <a:xfrm>
+          <a:off x="0" y="0"/>
+          <a:ext cx="0" cy="0"/>
+          <a:chOff x="0" y="0"/>
+          <a:chExt cx="0" cy="0"/>
+        </a:xfrm>
+      </p:grpSpPr>
+      <p:sp>
+        <p:nvSpPr>
+          <p:cNvPr id="2" name="标题 1"/>
+          <p:cNvSpPr>
+            <a:spLocks noGrp="1"/>
+          </p:cNvSpPr>
+          <p:nvPr>
+            <p:ph type="title"/>
+          </p:nvPr>
+        </p:nvSpPr>
+        <p:spPr/>
+        <p:txBody>
+          <a:bodyPr/>
+          <a:lstStyle/>
+          <a:p>
+            <a:r>
+              <a:rPr lang="zh-CN" altLang="en-US" dirty="0" smtClean="0"/>
+              <a:t>编译</a:t>
+            </a:r>
+            <a:endParaRPr lang="zh-CN" altLang="en-US" dirty="0"/>
+          </a:p>
+        </p:txBody>
+      </p:sp>
+      <p:sp>
+        <p:nvSpPr>
+          <p:cNvPr id="3" name="内容占位符 2"/>
+          <p:cNvSpPr>
+            <a:spLocks noGrp="1"/>
+          </p:cNvSpPr>
+          <p:nvPr>
+            <p:ph idx="1"/>
+          </p:nvPr>
+        </p:nvSpPr>
+        <p:spPr/>
+        <p:txBody>
+          <a:bodyPr/>
+          <a:lstStyle/>
+          <a:p>
+            <a:r>
+              <a:rPr lang="zh-CN" altLang="en-US" dirty="0" smtClean="0"/>
+              <a:t>编译 </a:t>
+            </a:r>
+            <a:r>
+              <a:rPr lang="en-US" altLang="zh-CN" dirty="0" smtClean="0"/>
+              <a:t>– </a:t>
+            </a:r>
+            <a:r>
+              <a:rPr lang="zh-CN" altLang="en-US" dirty="0" smtClean="0"/>
+              <a:t>支持</a:t>
+            </a:r>
+            <a:r>
+              <a:rPr lang="en-US" altLang="zh-CN" dirty="0" err="1" smtClean="0"/>
+              <a:t>linux</a:t>
+            </a:r>
+            <a:r>
+              <a:rPr lang="zh-CN" altLang="en-US" dirty="0" smtClean="0"/>
+              <a:t>和</a:t>
+            </a:r>
+            <a:r>
+              <a:rPr lang="en-US" altLang="zh-CN" dirty="0" smtClean="0"/>
+              <a:t>Windows</a:t>
+            </a:r>
+          </a:p>
+          <a:p>
+            <a:pPr lvl="1"/>
+            <a:r>
+              <a:rPr lang="en-US" altLang="zh-CN" dirty="0" err="1" smtClean="0"/>
+              <a:t>Cmake</a:t>
+            </a:r>
+            <a:endParaRPr lang="en-US" altLang="zh-CN" dirty="0" smtClean="0"/>
+          </a:p>
+          <a:p>
+            <a:pPr lvl="1"/>
+            <a:endParaRPr lang="zh-CN" altLang="en-US" dirty="0"/>
+          </a:p>
+        </p:txBody>
+      </p:sp>
+    </p:spTree>
+    <p:extLst>
+      <p:ext uri="{BB962C8B-B14F-4D97-AF65-F5344CB8AC3E}">
+        <p14:creationId xmlns:p14="http://schemas.microsoft.com/office/powerpoint/2010/main" val="2143226914"/>
+      </p:ext>
+    </p:extLst>
+  </p:cSld>
+  <p:clrMapOvr>
+    <a:masterClrMapping/>
+  </p:clrMapOvr>
+</p:sld>
+</file>
+
+<file path=ppt/slides/slide8.xml><?xml version="1.0" encoding="utf-8"?>
+<p:sld xmlns:a="http://schemas.openxmlformats.org/drawingml/2006/main" xmlns:r="http://schemas.openxmlformats.org/officeDocument/2006/relationships" xmlns:p="http://schemas.openxmlformats.org/presentationml/2006/main">
+  <p:cSld>
+    <p:spTree>
+      <p:nvGrpSpPr>
+        <p:cNvPr id="1" name=""/>
+        <p:cNvGrpSpPr/>
+        <p:nvPr/>
+      </p:nvGrpSpPr>
+      <p:grpSpPr>
+        <a:xfrm>
+          <a:off x="0" y="0"/>
+          <a:ext cx="0" cy="0"/>
+          <a:chOff x="0" y="0"/>
+          <a:chExt cx="0" cy="0"/>
+        </a:xfrm>
+      </p:grpSpPr>
+      <p:sp>
+        <p:nvSpPr>
+          <p:cNvPr id="2" name="标题 1"/>
+          <p:cNvSpPr>
+            <a:spLocks noGrp="1"/>
+          </p:cNvSpPr>
+          <p:nvPr>
+            <p:ph type="title"/>
+          </p:nvPr>
+        </p:nvSpPr>
+        <p:spPr/>
+        <p:txBody>
+          <a:bodyPr/>
+          <a:lstStyle/>
+          <a:p>
+            <a:r>
               <a:rPr lang="zh-CN" altLang="en-US" b="1" dirty="0" smtClean="0">
                 <a:latin typeface="华文楷体" pitchFamily="2" charset="-122"/>
                 <a:ea typeface="华文楷体" pitchFamily="2" charset="-122"/>
@@ -8344,7 +8671,7 @@
 </p:sld>
 </file>
 
-<file path=ppt/slides/slide7.xml><?xml version="1.0" encoding="utf-8"?>
+<file path=ppt/slides/slide9.xml><?xml version="1.0" encoding="utf-8"?>
 <p:sld xmlns:a="http://schemas.openxmlformats.org/drawingml/2006/main" xmlns:r="http://schemas.openxmlformats.org/officeDocument/2006/relationships" xmlns:p="http://schemas.openxmlformats.org/presentationml/2006/main">
   <p:cSld>
     <p:spTree>
@@ -8446,117 +8773,6 @@
     <p:extLst>
       <p:ext uri="{BB962C8B-B14F-4D97-AF65-F5344CB8AC3E}">
         <p14:creationId xmlns:p14="http://schemas.microsoft.com/office/powerpoint/2010/main" val="3528018120"/>
-      </p:ext>
-    </p:extLst>
-  </p:cSld>
-  <p:clrMapOvr>
-    <a:masterClrMapping/>
-  </p:clrMapOvr>
-  <p:timing>
-    <p:tnLst>
-      <p:par>
-        <p:cTn id="1" dur="indefinite" restart="never" nodeType="tmRoot"/>
-      </p:par>
-    </p:tnLst>
-  </p:timing>
-</p:sld>
-</file>
-
-<file path=ppt/slides/slide8.xml><?xml version="1.0" encoding="utf-8"?>
-<p:sld xmlns:a="http://schemas.openxmlformats.org/drawingml/2006/main" xmlns:r="http://schemas.openxmlformats.org/officeDocument/2006/relationships" xmlns:p="http://schemas.openxmlformats.org/presentationml/2006/main">
-  <p:cSld>
-    <p:spTree>
-      <p:nvGrpSpPr>
-        <p:cNvPr id="1" name=""/>
-        <p:cNvGrpSpPr/>
-        <p:nvPr/>
-      </p:nvGrpSpPr>
-      <p:grpSpPr>
-        <a:xfrm>
-          <a:off x="0" y="0"/>
-          <a:ext cx="0" cy="0"/>
-          <a:chOff x="0" y="0"/>
-          <a:chExt cx="0" cy="0"/>
-        </a:xfrm>
-      </p:grpSpPr>
-      <p:sp>
-        <p:nvSpPr>
-          <p:cNvPr id="2" name="标题 1"/>
-          <p:cNvSpPr>
-            <a:spLocks noGrp="1"/>
-          </p:cNvSpPr>
-          <p:nvPr>
-            <p:ph type="title"/>
-          </p:nvPr>
-        </p:nvSpPr>
-        <p:spPr/>
-        <p:txBody>
-          <a:bodyPr/>
-          <a:lstStyle/>
-          <a:p>
-            <a:r>
-              <a:rPr lang="zh-CN" altLang="en-US" b="1" dirty="0" smtClean="0">
-                <a:latin typeface="华文楷体" pitchFamily="2" charset="-122"/>
-                <a:ea typeface="华文楷体" pitchFamily="2" charset="-122"/>
-              </a:rPr>
-              <a:t>第</a:t>
-            </a:r>
-            <a:r>
-              <a:rPr lang="en-US" altLang="zh-CN" b="1" dirty="0" smtClean="0">
-                <a:latin typeface="华文楷体" pitchFamily="2" charset="-122"/>
-                <a:ea typeface="华文楷体" pitchFamily="2" charset="-122"/>
-              </a:rPr>
-              <a:t>4</a:t>
-            </a:r>
-            <a:r>
-              <a:rPr lang="zh-CN" altLang="en-US" b="1" dirty="0">
-                <a:latin typeface="华文楷体" pitchFamily="2" charset="-122"/>
-                <a:ea typeface="华文楷体" pitchFamily="2" charset="-122"/>
-              </a:rPr>
-              <a:t>章扩展功能</a:t>
-            </a:r>
-            <a:endParaRPr lang="zh-CN" altLang="en-US" dirty="0"/>
-          </a:p>
-        </p:txBody>
-      </p:sp>
-      <p:sp>
-        <p:nvSpPr>
-          <p:cNvPr id="3" name="内容占位符 2"/>
-          <p:cNvSpPr>
-            <a:spLocks noGrp="1"/>
-          </p:cNvSpPr>
-          <p:nvPr>
-            <p:ph idx="1"/>
-          </p:nvPr>
-        </p:nvSpPr>
-        <p:spPr/>
-        <p:txBody>
-          <a:bodyPr/>
-          <a:lstStyle/>
-          <a:p>
-            <a:r>
-              <a:rPr lang="zh-CN" altLang="en-US" dirty="0"/>
-              <a:t>支持颜色选择和画笔大小设置</a:t>
-            </a:r>
-          </a:p>
-          <a:p>
-            <a:r>
-              <a:rPr lang="zh-CN" altLang="en-US" dirty="0"/>
-              <a:t>撤销和重做功能</a:t>
-            </a:r>
-          </a:p>
-          <a:p>
-            <a:r>
-              <a:rPr lang="zh-CN" altLang="en-US" dirty="0"/>
-              <a:t>实现图形项的移动和缩放</a:t>
-            </a:r>
-          </a:p>
-        </p:txBody>
-      </p:sp>
-    </p:spTree>
-    <p:extLst>
-      <p:ext uri="{BB962C8B-B14F-4D97-AF65-F5344CB8AC3E}">
-        <p14:creationId xmlns:p14="http://schemas.microsoft.com/office/powerpoint/2010/main" val="2413468171"/>
       </p:ext>
     </p:extLst>
   </p:cSld>

--- a/docs/draw.pptx
+++ b/docs/draw.pptx
@@ -15,6 +15,7 @@
     <p:sldId id="258" r:id="rId9"/>
     <p:sldId id="259" r:id="rId10"/>
     <p:sldId id="260" r:id="rId11"/>
+    <p:sldId id="266" r:id="rId12"/>
   </p:sldIdLst>
   <p:sldSz cx="12192000" cy="6858000"/>
   <p:notesSz cx="6858000" cy="9144000"/>
@@ -7854,6 +7855,95 @@
 </p:sld>
 </file>
 
+<file path=ppt/slides/slide11.xml><?xml version="1.0" encoding="utf-8"?>
+<p:sld xmlns:a="http://schemas.openxmlformats.org/drawingml/2006/main" xmlns:r="http://schemas.openxmlformats.org/officeDocument/2006/relationships" xmlns:p="http://schemas.openxmlformats.org/presentationml/2006/main">
+  <p:cSld>
+    <p:spTree>
+      <p:nvGrpSpPr>
+        <p:cNvPr id="1" name=""/>
+        <p:cNvGrpSpPr/>
+        <p:nvPr/>
+      </p:nvGrpSpPr>
+      <p:grpSpPr>
+        <a:xfrm>
+          <a:off x="0" y="0"/>
+          <a:ext cx="0" cy="0"/>
+          <a:chOff x="0" y="0"/>
+          <a:chExt cx="0" cy="0"/>
+        </a:xfrm>
+      </p:grpSpPr>
+      <p:sp>
+        <p:nvSpPr>
+          <p:cNvPr id="2" name="标题 1"/>
+          <p:cNvSpPr>
+            <a:spLocks noGrp="1"/>
+          </p:cNvSpPr>
+          <p:nvPr>
+            <p:ph type="title"/>
+          </p:nvPr>
+        </p:nvSpPr>
+        <p:spPr/>
+        <p:txBody>
+          <a:bodyPr/>
+          <a:lstStyle/>
+          <a:p>
+            <a:r>
+              <a:rPr lang="zh-CN" altLang="en-US" b="1" dirty="0">
+                <a:latin typeface="华文楷体" pitchFamily="2" charset="-122"/>
+                <a:ea typeface="华文楷体" pitchFamily="2" charset="-122"/>
+              </a:rPr>
+              <a:t>第</a:t>
+            </a:r>
+            <a:r>
+              <a:rPr lang="en-US" altLang="zh-CN" b="1" dirty="0">
+                <a:latin typeface="华文楷体" pitchFamily="2" charset="-122"/>
+                <a:ea typeface="华文楷体" pitchFamily="2" charset="-122"/>
+              </a:rPr>
+              <a:t>4</a:t>
+            </a:r>
+            <a:r>
+              <a:rPr lang="zh-CN" altLang="en-US" b="1" smtClean="0">
+                <a:latin typeface="华文楷体" pitchFamily="2" charset="-122"/>
+                <a:ea typeface="华文楷体" pitchFamily="2" charset="-122"/>
+              </a:rPr>
+              <a:t>章 库编译</a:t>
+            </a:r>
+            <a:endParaRPr lang="zh-CN" altLang="en-US" dirty="0"/>
+          </a:p>
+        </p:txBody>
+      </p:sp>
+      <p:sp>
+        <p:nvSpPr>
+          <p:cNvPr id="3" name="内容占位符 2"/>
+          <p:cNvSpPr>
+            <a:spLocks noGrp="1"/>
+          </p:cNvSpPr>
+          <p:nvPr>
+            <p:ph idx="1"/>
+          </p:nvPr>
+        </p:nvSpPr>
+        <p:spPr/>
+        <p:txBody>
+          <a:bodyPr/>
+          <a:lstStyle/>
+          <a:p>
+            <a:endParaRPr lang="zh-CN" altLang="en-US"/>
+          </a:p>
+        </p:txBody>
+      </p:sp>
+    </p:spTree>
+    <p:extLst>
+      <p:ext uri="{BB962C8B-B14F-4D97-AF65-F5344CB8AC3E}">
+        <p14:creationId xmlns:p14="http://schemas.microsoft.com/office/powerpoint/2010/main" val="1122897311"/>
+      </p:ext>
+    </p:extLst>
+  </p:cSld>
+  <p:clrMapOvr>
+    <a:masterClrMapping/>
+  </p:clrMapOvr>
+</p:sld>
+</file>
+
 <file path=ppt/slides/slide2.xml><?xml version="1.0" encoding="utf-8"?>
 <p:sld xmlns:a="http://schemas.openxmlformats.org/drawingml/2006/main" xmlns:r="http://schemas.openxmlformats.org/officeDocument/2006/relationships" xmlns:p="http://schemas.openxmlformats.org/presentationml/2006/main">
   <p:cSld>
@@ -8405,7 +8495,7 @@
           <a:bodyPr/>
           <a:lstStyle/>
           <a:p>
-            <a:endParaRPr lang="zh-CN" altLang="en-US"/>
+            <a:endParaRPr lang="zh-CN" altLang="en-US" dirty="0"/>
           </a:p>
         </p:txBody>
       </p:sp>
@@ -8764,8 +8854,19 @@
           <a:p>
             <a:r>
               <a:rPr lang="zh-CN" altLang="en-US" dirty="0"/>
-              <a:t>优化性能和代码结构</a:t>
-            </a:r>
+              <a:t>优化性能和代码</a:t>
+            </a:r>
+            <a:r>
+              <a:rPr lang="zh-CN" altLang="en-US" dirty="0" smtClean="0"/>
+              <a:t>结构</a:t>
+            </a:r>
+            <a:endParaRPr lang="en-US" altLang="zh-CN" dirty="0" smtClean="0"/>
+          </a:p>
+          <a:p>
+            <a:pPr marL="0" indent="0">
+              <a:buNone/>
+            </a:pPr>
+            <a:endParaRPr lang="zh-CN" altLang="en-US" dirty="0"/>
           </a:p>
         </p:txBody>
       </p:sp>

--- a/docs/draw.pptx
+++ b/docs/draw.pptx
@@ -6,16 +6,17 @@
   </p:sldMasterIdLst>
   <p:sldIdLst>
     <p:sldId id="256" r:id="rId2"/>
-    <p:sldId id="257" r:id="rId3"/>
-    <p:sldId id="261" r:id="rId4"/>
-    <p:sldId id="263" r:id="rId5"/>
-    <p:sldId id="262" r:id="rId6"/>
-    <p:sldId id="265" r:id="rId7"/>
-    <p:sldId id="264" r:id="rId8"/>
-    <p:sldId id="258" r:id="rId9"/>
-    <p:sldId id="259" r:id="rId10"/>
-    <p:sldId id="260" r:id="rId11"/>
-    <p:sldId id="266" r:id="rId12"/>
+    <p:sldId id="267" r:id="rId3"/>
+    <p:sldId id="257" r:id="rId4"/>
+    <p:sldId id="261" r:id="rId5"/>
+    <p:sldId id="263" r:id="rId6"/>
+    <p:sldId id="262" r:id="rId7"/>
+    <p:sldId id="265" r:id="rId8"/>
+    <p:sldId id="264" r:id="rId9"/>
+    <p:sldId id="258" r:id="rId10"/>
+    <p:sldId id="259" r:id="rId11"/>
+    <p:sldId id="260" r:id="rId12"/>
+    <p:sldId id="266" r:id="rId13"/>
   </p:sldIdLst>
   <p:sldSz cx="12192000" cy="6858000"/>
   <p:notesSz cx="6858000" cy="9144000"/>
@@ -7791,11 +7792,25 @@
               <a:t>4</a:t>
             </a:r>
             <a:r>
+              <a:rPr lang="zh-CN" altLang="en-US" b="1" dirty="0" smtClean="0">
+                <a:latin typeface="华文楷体" pitchFamily="2" charset="-122"/>
+                <a:ea typeface="华文楷体" pitchFamily="2" charset="-122"/>
+              </a:rPr>
+              <a:t>章 </a:t>
+            </a:r>
+            <a:r>
+              <a:rPr lang="zh-CN" altLang="en-US" b="1" dirty="0" smtClean="0">
+                <a:latin typeface="华文楷体" pitchFamily="2" charset="-122"/>
+                <a:ea typeface="华文楷体" pitchFamily="2" charset="-122"/>
+              </a:rPr>
+              <a:t>添加</a:t>
+            </a:r>
+            <a:r>
               <a:rPr lang="zh-CN" altLang="en-US" b="1" dirty="0">
                 <a:latin typeface="华文楷体" pitchFamily="2" charset="-122"/>
                 <a:ea typeface="华文楷体" pitchFamily="2" charset="-122"/>
               </a:rPr>
-              <a:t>章扩展功能</a:t>
+              <a:t>白板的高级功能</a:t>
             </a:r>
             <a:endParaRPr lang="zh-CN" altLang="en-US" dirty="0"/>
           </a:p>
@@ -7818,27 +7833,38 @@
           <a:p>
             <a:r>
               <a:rPr lang="zh-CN" altLang="en-US" dirty="0"/>
-              <a:t>支持颜色选择和画笔大小设置</a:t>
+              <a:t>支持清空画布和保存图像</a:t>
             </a:r>
           </a:p>
           <a:p>
             <a:r>
               <a:rPr lang="zh-CN" altLang="en-US" dirty="0"/>
-              <a:t>撤销和重做功能</a:t>
+              <a:t>添加动态绘制效果</a:t>
             </a:r>
           </a:p>
           <a:p>
             <a:r>
               <a:rPr lang="zh-CN" altLang="en-US" dirty="0"/>
-              <a:t>实现图形项的移动和缩放</a:t>
-            </a:r>
+              <a:t>优化性能和代码</a:t>
+            </a:r>
+            <a:r>
+              <a:rPr lang="zh-CN" altLang="en-US" dirty="0" smtClean="0"/>
+              <a:t>结构</a:t>
+            </a:r>
+            <a:endParaRPr lang="en-US" altLang="zh-CN" dirty="0" smtClean="0"/>
+          </a:p>
+          <a:p>
+            <a:pPr marL="0" indent="0">
+              <a:buNone/>
+            </a:pPr>
+            <a:endParaRPr lang="zh-CN" altLang="en-US" dirty="0"/>
           </a:p>
         </p:txBody>
       </p:sp>
     </p:spTree>
     <p:extLst>
       <p:ext uri="{BB962C8B-B14F-4D97-AF65-F5344CB8AC3E}">
-        <p14:creationId xmlns:p14="http://schemas.microsoft.com/office/powerpoint/2010/main" val="2413468171"/>
+        <p14:creationId xmlns:p14="http://schemas.microsoft.com/office/powerpoint/2010/main" val="3528018120"/>
       </p:ext>
     </p:extLst>
   </p:cSld>
@@ -7888,25 +7914,143 @@
           <a:lstStyle/>
           <a:p>
             <a:r>
+              <a:rPr lang="zh-CN" altLang="en-US" b="1" dirty="0" smtClean="0">
+                <a:latin typeface="华文楷体" pitchFamily="2" charset="-122"/>
+                <a:ea typeface="华文楷体" pitchFamily="2" charset="-122"/>
+              </a:rPr>
+              <a:t>第</a:t>
+            </a:r>
+            <a:r>
+              <a:rPr lang="en-US" altLang="zh-CN" b="1" dirty="0" smtClean="0">
+                <a:latin typeface="华文楷体" pitchFamily="2" charset="-122"/>
+                <a:ea typeface="华文楷体" pitchFamily="2" charset="-122"/>
+              </a:rPr>
+              <a:t>4</a:t>
+            </a:r>
+            <a:r>
               <a:rPr lang="zh-CN" altLang="en-US" b="1" dirty="0">
                 <a:latin typeface="华文楷体" pitchFamily="2" charset="-122"/>
                 <a:ea typeface="华文楷体" pitchFamily="2" charset="-122"/>
               </a:rPr>
-              <a:t>第</a:t>
-            </a:r>
-            <a:r>
-              <a:rPr lang="en-US" altLang="zh-CN" b="1" dirty="0">
+              <a:t>章扩展功能</a:t>
+            </a:r>
+            <a:endParaRPr lang="zh-CN" altLang="en-US" dirty="0"/>
+          </a:p>
+        </p:txBody>
+      </p:sp>
+      <p:sp>
+        <p:nvSpPr>
+          <p:cNvPr id="3" name="内容占位符 2"/>
+          <p:cNvSpPr>
+            <a:spLocks noGrp="1"/>
+          </p:cNvSpPr>
+          <p:nvPr>
+            <p:ph idx="1"/>
+          </p:nvPr>
+        </p:nvSpPr>
+        <p:spPr/>
+        <p:txBody>
+          <a:bodyPr/>
+          <a:lstStyle/>
+          <a:p>
+            <a:r>
+              <a:rPr lang="zh-CN" altLang="en-US" dirty="0"/>
+              <a:t>支持颜色选择和画笔大小设置</a:t>
+            </a:r>
+          </a:p>
+          <a:p>
+            <a:r>
+              <a:rPr lang="zh-CN" altLang="en-US" dirty="0"/>
+              <a:t>撤销和重做功能</a:t>
+            </a:r>
+          </a:p>
+          <a:p>
+            <a:r>
+              <a:rPr lang="zh-CN" altLang="en-US" dirty="0"/>
+              <a:t>实现图形项的移动和缩放</a:t>
+            </a:r>
+          </a:p>
+        </p:txBody>
+      </p:sp>
+    </p:spTree>
+    <p:extLst>
+      <p:ext uri="{BB962C8B-B14F-4D97-AF65-F5344CB8AC3E}">
+        <p14:creationId xmlns:p14="http://schemas.microsoft.com/office/powerpoint/2010/main" val="2413468171"/>
+      </p:ext>
+    </p:extLst>
+  </p:cSld>
+  <p:clrMapOvr>
+    <a:masterClrMapping/>
+  </p:clrMapOvr>
+  <p:timing>
+    <p:tnLst>
+      <p:par>
+        <p:cTn id="1" dur="indefinite" restart="never" nodeType="tmRoot"/>
+      </p:par>
+    </p:tnLst>
+  </p:timing>
+</p:sld>
+</file>
+
+<file path=ppt/slides/slide12.xml><?xml version="1.0" encoding="utf-8"?>
+<p:sld xmlns:a="http://schemas.openxmlformats.org/drawingml/2006/main" xmlns:r="http://schemas.openxmlformats.org/officeDocument/2006/relationships" xmlns:p="http://schemas.openxmlformats.org/presentationml/2006/main">
+  <p:cSld>
+    <p:spTree>
+      <p:nvGrpSpPr>
+        <p:cNvPr id="1" name=""/>
+        <p:cNvGrpSpPr/>
+        <p:nvPr/>
+      </p:nvGrpSpPr>
+      <p:grpSpPr>
+        <a:xfrm>
+          <a:off x="0" y="0"/>
+          <a:ext cx="0" cy="0"/>
+          <a:chOff x="0" y="0"/>
+          <a:chExt cx="0" cy="0"/>
+        </a:xfrm>
+      </p:grpSpPr>
+      <p:sp>
+        <p:nvSpPr>
+          <p:cNvPr id="2" name="标题 1"/>
+          <p:cNvSpPr>
+            <a:spLocks noGrp="1"/>
+          </p:cNvSpPr>
+          <p:nvPr>
+            <p:ph type="title"/>
+          </p:nvPr>
+        </p:nvSpPr>
+        <p:spPr/>
+        <p:txBody>
+          <a:bodyPr/>
+          <a:lstStyle/>
+          <a:p>
+            <a:r>
+              <a:rPr lang="zh-CN" altLang="en-US" b="1" dirty="0" smtClean="0">
                 <a:latin typeface="华文楷体" pitchFamily="2" charset="-122"/>
                 <a:ea typeface="华文楷体" pitchFamily="2" charset="-122"/>
               </a:rPr>
-              <a:t>4</a:t>
+              <a:t>第</a:t>
+            </a:r>
+            <a:r>
+              <a:rPr lang="en-US" altLang="zh-CN" b="1" smtClean="0">
+                <a:latin typeface="华文楷体" pitchFamily="2" charset="-122"/>
+                <a:ea typeface="华文楷体" pitchFamily="2" charset="-122"/>
+              </a:rPr>
+              <a:t>5</a:t>
             </a:r>
             <a:r>
               <a:rPr lang="zh-CN" altLang="en-US" b="1" smtClean="0">
                 <a:latin typeface="华文楷体" pitchFamily="2" charset="-122"/>
                 <a:ea typeface="华文楷体" pitchFamily="2" charset="-122"/>
               </a:rPr>
-              <a:t>章 库编译</a:t>
+              <a:t>章 </a:t>
+            </a:r>
+            <a:r>
+              <a:rPr lang="zh-CN" altLang="en-US" b="1" dirty="0" smtClean="0">
+                <a:latin typeface="华文楷体" pitchFamily="2" charset="-122"/>
+                <a:ea typeface="华文楷体" pitchFamily="2" charset="-122"/>
+              </a:rPr>
+              <a:t>库编译</a:t>
             </a:r>
             <a:endParaRPr lang="zh-CN" altLang="en-US" dirty="0"/>
           </a:p>
@@ -7995,7 +8139,144 @@
                 <a:latin typeface="华文楷体" pitchFamily="2" charset="-122"/>
                 <a:ea typeface="华文楷体" pitchFamily="2" charset="-122"/>
               </a:rPr>
-              <a:t>章 介绍</a:t>
+              <a:t>章 课程介绍</a:t>
+            </a:r>
+            <a:endParaRPr lang="zh-CN" altLang="en-US" dirty="0"/>
+          </a:p>
+        </p:txBody>
+      </p:sp>
+      <p:sp>
+        <p:nvSpPr>
+          <p:cNvPr id="3" name="内容占位符 2"/>
+          <p:cNvSpPr>
+            <a:spLocks noGrp="1"/>
+          </p:cNvSpPr>
+          <p:nvPr>
+            <p:ph idx="1"/>
+          </p:nvPr>
+        </p:nvSpPr>
+        <p:spPr/>
+        <p:txBody>
+          <a:bodyPr/>
+          <a:lstStyle/>
+          <a:p>
+            <a:r>
+              <a:rPr lang="en-US" altLang="zh-CN" dirty="0" smtClean="0"/>
+              <a:t>QT</a:t>
+            </a:r>
+            <a:r>
+              <a:rPr lang="zh-CN" altLang="en-US" dirty="0" smtClean="0"/>
+              <a:t>开发环境</a:t>
+            </a:r>
+            <a:endParaRPr lang="en-US" altLang="zh-CN" dirty="0" smtClean="0"/>
+          </a:p>
+          <a:p>
+            <a:r>
+              <a:rPr lang="zh-CN" altLang="en-US" dirty="0" smtClean="0"/>
+              <a:t>编译</a:t>
+            </a:r>
+            <a:endParaRPr lang="en-US" altLang="zh-CN" dirty="0" smtClean="0"/>
+          </a:p>
+          <a:p>
+            <a:pPr lvl="1"/>
+            <a:r>
+              <a:rPr lang="en-US" altLang="zh-CN" dirty="0" err="1" smtClean="0"/>
+              <a:t>Cmake</a:t>
+            </a:r>
+            <a:endParaRPr lang="en-US" altLang="zh-CN" dirty="0" smtClean="0"/>
+          </a:p>
+          <a:p>
+            <a:pPr lvl="1"/>
+            <a:r>
+              <a:rPr lang="en-US" altLang="zh-CN" dirty="0" err="1" smtClean="0"/>
+              <a:t>Git</a:t>
+            </a:r>
+            <a:endParaRPr lang="en-US" altLang="zh-CN" dirty="0" smtClean="0"/>
+          </a:p>
+          <a:p>
+            <a:r>
+              <a:rPr lang="en-US" altLang="zh-CN" dirty="0" err="1" smtClean="0"/>
+              <a:t>Git</a:t>
+            </a:r>
+            <a:endParaRPr lang="en-US" altLang="zh-CN" dirty="0" smtClean="0"/>
+          </a:p>
+          <a:p>
+            <a:endParaRPr lang="zh-CN" altLang="en-US" dirty="0"/>
+          </a:p>
+        </p:txBody>
+      </p:sp>
+    </p:spTree>
+    <p:extLst>
+      <p:ext uri="{BB962C8B-B14F-4D97-AF65-F5344CB8AC3E}">
+        <p14:creationId xmlns:p14="http://schemas.microsoft.com/office/powerpoint/2010/main" val="2774782946"/>
+      </p:ext>
+    </p:extLst>
+  </p:cSld>
+  <p:clrMapOvr>
+    <a:masterClrMapping/>
+  </p:clrMapOvr>
+</p:sld>
+</file>
+
+<file path=ppt/slides/slide3.xml><?xml version="1.0" encoding="utf-8"?>
+<p:sld xmlns:a="http://schemas.openxmlformats.org/drawingml/2006/main" xmlns:r="http://schemas.openxmlformats.org/officeDocument/2006/relationships" xmlns:p="http://schemas.openxmlformats.org/presentationml/2006/main">
+  <p:cSld>
+    <p:spTree>
+      <p:nvGrpSpPr>
+        <p:cNvPr id="1" name=""/>
+        <p:cNvGrpSpPr/>
+        <p:nvPr/>
+      </p:nvGrpSpPr>
+      <p:grpSpPr>
+        <a:xfrm>
+          <a:off x="0" y="0"/>
+          <a:ext cx="0" cy="0"/>
+          <a:chOff x="0" y="0"/>
+          <a:chExt cx="0" cy="0"/>
+        </a:xfrm>
+      </p:grpSpPr>
+      <p:sp>
+        <p:nvSpPr>
+          <p:cNvPr id="2" name="标题 1"/>
+          <p:cNvSpPr>
+            <a:spLocks noGrp="1"/>
+          </p:cNvSpPr>
+          <p:nvPr>
+            <p:ph type="title"/>
+          </p:nvPr>
+        </p:nvSpPr>
+        <p:spPr/>
+        <p:txBody>
+          <a:bodyPr/>
+          <a:lstStyle/>
+          <a:p>
+            <a:r>
+              <a:rPr lang="zh-CN" altLang="en-US" b="1" dirty="0" smtClean="0">
+                <a:latin typeface="华文楷体" pitchFamily="2" charset="-122"/>
+                <a:ea typeface="华文楷体" pitchFamily="2" charset="-122"/>
+              </a:rPr>
+              <a:t>第</a:t>
+            </a:r>
+            <a:r>
+              <a:rPr lang="en-US" altLang="zh-CN" b="1" dirty="0" smtClean="0">
+                <a:latin typeface="华文楷体" pitchFamily="2" charset="-122"/>
+                <a:ea typeface="华文楷体" pitchFamily="2" charset="-122"/>
+              </a:rPr>
+              <a:t>2</a:t>
+            </a:r>
+            <a:r>
+              <a:rPr lang="zh-CN" altLang="en-US" b="1" dirty="0" smtClean="0">
+                <a:latin typeface="华文楷体" pitchFamily="2" charset="-122"/>
+                <a:ea typeface="华文楷体" pitchFamily="2" charset="-122"/>
+              </a:rPr>
+              <a:t>章 </a:t>
+            </a:r>
+            <a:r>
+              <a:rPr lang="zh-CN" altLang="en-US" b="1" dirty="0" smtClean="0">
+                <a:latin typeface="华文楷体" pitchFamily="2" charset="-122"/>
+                <a:ea typeface="华文楷体" pitchFamily="2" charset="-122"/>
+              </a:rPr>
+              <a:t>介绍</a:t>
             </a:r>
             <a:r>
               <a:rPr lang="en-US" altLang="zh-CN" b="1" dirty="0" err="1">
@@ -8077,7 +8358,6 @@
               <a:rPr lang="zh-CN" altLang="en-US" dirty="0"/>
               <a:t>我们将从基础的概念入手，逐步引入更复杂的功能，并通过不断迭代和升级代码来加深理解。</a:t>
             </a:r>
-            <a:endParaRPr lang="zh-CN" altLang="en-US" dirty="0"/>
           </a:p>
           <a:p>
             <a:r>
@@ -8134,7 +8414,7 @@
 </p:sld>
 </file>
 
-<file path=ppt/slides/slide3.xml><?xml version="1.0" encoding="utf-8"?>
+<file path=ppt/slides/slide4.xml><?xml version="1.0" encoding="utf-8"?>
 <p:sld xmlns:a="http://schemas.openxmlformats.org/drawingml/2006/main" xmlns:r="http://schemas.openxmlformats.org/officeDocument/2006/relationships" xmlns:p="http://schemas.openxmlformats.org/presentationml/2006/main">
   <p:cSld>
     <p:spTree>
@@ -8267,7 +8547,7 @@
 </p:sld>
 </file>
 
-<file path=ppt/slides/slide4.xml><?xml version="1.0" encoding="utf-8"?>
+<file path=ppt/slides/slide5.xml><?xml version="1.0" encoding="utf-8"?>
 <p:sld xmlns:a="http://schemas.openxmlformats.org/drawingml/2006/main" xmlns:r="http://schemas.openxmlformats.org/officeDocument/2006/relationships" xmlns:p="http://schemas.openxmlformats.org/presentationml/2006/main">
   <p:cSld>
     <p:spTree>
@@ -8359,7 +8639,7 @@
 </p:sld>
 </file>
 
-<file path=ppt/slides/slide5.xml><?xml version="1.0" encoding="utf-8"?>
+<file path=ppt/slides/slide6.xml><?xml version="1.0" encoding="utf-8"?>
 <p:sld xmlns:a="http://schemas.openxmlformats.org/drawingml/2006/main" xmlns:r="http://schemas.openxmlformats.org/officeDocument/2006/relationships" xmlns:p="http://schemas.openxmlformats.org/presentationml/2006/main">
   <p:cSld>
     <p:spTree>
@@ -8441,77 +8721,6 @@
 </p:sld>
 </file>
 
-<file path=ppt/slides/slide6.xml><?xml version="1.0" encoding="utf-8"?>
-<p:sld xmlns:a="http://schemas.openxmlformats.org/drawingml/2006/main" xmlns:r="http://schemas.openxmlformats.org/officeDocument/2006/relationships" xmlns:p="http://schemas.openxmlformats.org/presentationml/2006/main">
-  <p:cSld>
-    <p:spTree>
-      <p:nvGrpSpPr>
-        <p:cNvPr id="1" name=""/>
-        <p:cNvGrpSpPr/>
-        <p:nvPr/>
-      </p:nvGrpSpPr>
-      <p:grpSpPr>
-        <a:xfrm>
-          <a:off x="0" y="0"/>
-          <a:ext cx="0" cy="0"/>
-          <a:chOff x="0" y="0"/>
-          <a:chExt cx="0" cy="0"/>
-        </a:xfrm>
-      </p:grpSpPr>
-      <p:sp>
-        <p:nvSpPr>
-          <p:cNvPr id="2" name="标题 1"/>
-          <p:cNvSpPr>
-            <a:spLocks noGrp="1"/>
-          </p:cNvSpPr>
-          <p:nvPr>
-            <p:ph type="title"/>
-          </p:nvPr>
-        </p:nvSpPr>
-        <p:spPr/>
-        <p:txBody>
-          <a:bodyPr/>
-          <a:lstStyle/>
-          <a:p>
-            <a:r>
-              <a:rPr lang="zh-CN" altLang="en-US" dirty="0"/>
-              <a:t>类图</a:t>
-            </a:r>
-          </a:p>
-        </p:txBody>
-      </p:sp>
-      <p:sp>
-        <p:nvSpPr>
-          <p:cNvPr id="3" name="内容占位符 2"/>
-          <p:cNvSpPr>
-            <a:spLocks noGrp="1"/>
-          </p:cNvSpPr>
-          <p:nvPr>
-            <p:ph idx="1"/>
-          </p:nvPr>
-        </p:nvSpPr>
-        <p:spPr/>
-        <p:txBody>
-          <a:bodyPr/>
-          <a:lstStyle/>
-          <a:p>
-            <a:endParaRPr lang="zh-CN" altLang="en-US" dirty="0"/>
-          </a:p>
-        </p:txBody>
-      </p:sp>
-    </p:spTree>
-    <p:extLst>
-      <p:ext uri="{BB962C8B-B14F-4D97-AF65-F5344CB8AC3E}">
-        <p14:creationId xmlns:p14="http://schemas.microsoft.com/office/powerpoint/2010/main" val="3371770004"/>
-      </p:ext>
-    </p:extLst>
-  </p:cSld>
-  <p:clrMapOvr>
-    <a:masterClrMapping/>
-  </p:clrMapOvr>
-</p:sld>
-</file>
-
 <file path=ppt/slides/slide7.xml><?xml version="1.0" encoding="utf-8"?>
 <p:sld xmlns:a="http://schemas.openxmlformats.org/drawingml/2006/main" xmlns:r="http://schemas.openxmlformats.org/officeDocument/2006/relationships" xmlns:p="http://schemas.openxmlformats.org/presentationml/2006/main">
   <p:cSld>
@@ -8545,10 +8754,9 @@
           <a:lstStyle/>
           <a:p>
             <a:r>
-              <a:rPr lang="zh-CN" altLang="en-US" dirty="0" smtClean="0"/>
-              <a:t>编译</a:t>
-            </a:r>
-            <a:endParaRPr lang="zh-CN" altLang="en-US" dirty="0"/>
+              <a:rPr lang="zh-CN" altLang="en-US" dirty="0"/>
+              <a:t>类图</a:t>
+            </a:r>
           </a:p>
         </p:txBody>
       </p:sp>
@@ -8567,41 +8775,6 @@
           <a:bodyPr/>
           <a:lstStyle/>
           <a:p>
-            <a:r>
-              <a:rPr lang="zh-CN" altLang="en-US" dirty="0" smtClean="0"/>
-              <a:t>编译 </a:t>
-            </a:r>
-            <a:r>
-              <a:rPr lang="en-US" altLang="zh-CN" dirty="0" smtClean="0"/>
-              <a:t>– </a:t>
-            </a:r>
-            <a:r>
-              <a:rPr lang="zh-CN" altLang="en-US" dirty="0" smtClean="0"/>
-              <a:t>支持</a:t>
-            </a:r>
-            <a:r>
-              <a:rPr lang="en-US" altLang="zh-CN" dirty="0" err="1" smtClean="0"/>
-              <a:t>linux</a:t>
-            </a:r>
-            <a:r>
-              <a:rPr lang="zh-CN" altLang="en-US" dirty="0" smtClean="0"/>
-              <a:t>和</a:t>
-            </a:r>
-            <a:r>
-              <a:rPr lang="en-US" altLang="zh-CN" dirty="0" smtClean="0"/>
-              <a:t>Windows</a:t>
-            </a:r>
-          </a:p>
-          <a:p>
-            <a:pPr lvl="1"/>
-            <a:r>
-              <a:rPr lang="en-US" altLang="zh-CN" dirty="0" err="1" smtClean="0"/>
-              <a:t>Cmake</a:t>
-            </a:r>
-            <a:endParaRPr lang="en-US" altLang="zh-CN" dirty="0" smtClean="0"/>
-          </a:p>
-          <a:p>
-            <a:pPr lvl="1"/>
             <a:endParaRPr lang="zh-CN" altLang="en-US" dirty="0"/>
           </a:p>
         </p:txBody>
@@ -8609,7 +8782,7 @@
     </p:spTree>
     <p:extLst>
       <p:ext uri="{BB962C8B-B14F-4D97-AF65-F5344CB8AC3E}">
-        <p14:creationId xmlns:p14="http://schemas.microsoft.com/office/powerpoint/2010/main" val="2143226914"/>
+        <p14:creationId xmlns:p14="http://schemas.microsoft.com/office/powerpoint/2010/main" val="3371770004"/>
       </p:ext>
     </p:extLst>
   </p:cSld>
@@ -8652,32 +8825,8 @@
           <a:lstStyle/>
           <a:p>
             <a:r>
-              <a:rPr lang="zh-CN" altLang="en-US" b="1" dirty="0" smtClean="0">
-                <a:latin typeface="华文楷体" pitchFamily="2" charset="-122"/>
-                <a:ea typeface="华文楷体" pitchFamily="2" charset="-122"/>
-              </a:rPr>
-              <a:t>第</a:t>
-            </a:r>
-            <a:r>
-              <a:rPr lang="en-US" altLang="zh-CN" b="1" dirty="0" smtClean="0">
-                <a:latin typeface="华文楷体" pitchFamily="2" charset="-122"/>
-                <a:ea typeface="华文楷体" pitchFamily="2" charset="-122"/>
-              </a:rPr>
-              <a:t>2</a:t>
-            </a:r>
-            <a:r>
-              <a:rPr lang="zh-CN" altLang="en-US" b="1" dirty="0" smtClean="0">
-                <a:latin typeface="华文楷体" pitchFamily="2" charset="-122"/>
-                <a:ea typeface="华文楷体" pitchFamily="2" charset="-122"/>
-              </a:rPr>
-              <a:t>章 创建</a:t>
-            </a:r>
-            <a:r>
-              <a:rPr lang="zh-CN" altLang="en-US" b="1" dirty="0">
-                <a:latin typeface="华文楷体" pitchFamily="2" charset="-122"/>
-                <a:ea typeface="华文楷体" pitchFamily="2" charset="-122"/>
-              </a:rPr>
-              <a:t>白板基本功能</a:t>
+              <a:rPr lang="zh-CN" altLang="en-US" dirty="0" smtClean="0"/>
+              <a:t>编译</a:t>
             </a:r>
             <a:endParaRPr lang="zh-CN" altLang="en-US" dirty="0"/>
           </a:p>
@@ -8699,65 +8848,54 @@
           <a:lstStyle/>
           <a:p>
             <a:r>
-              <a:rPr lang="zh-CN" altLang="en-US" dirty="0"/>
-              <a:t>使用</a:t>
-            </a:r>
-            <a:r>
-              <a:rPr lang="en-US" altLang="zh-CN" dirty="0" err="1"/>
-              <a:t>QGraphicsItem</a:t>
-            </a:r>
-            <a:r>
-              <a:rPr lang="zh-CN" altLang="en-US" dirty="0"/>
-              <a:t>绘制自由手写的图形</a:t>
-            </a:r>
-          </a:p>
-          <a:p>
-            <a:r>
-              <a:rPr lang="zh-CN" altLang="en-US" dirty="0"/>
-              <a:t>介绍如何处理鼠标事件</a:t>
-            </a:r>
-          </a:p>
-          <a:p>
-            <a:r>
-              <a:rPr lang="zh-CN" altLang="en-US" dirty="0"/>
-              <a:t>通过</a:t>
-            </a:r>
-            <a:r>
-              <a:rPr lang="en-US" altLang="zh-CN" dirty="0" err="1"/>
-              <a:t>QGraphicsView</a:t>
-            </a:r>
-            <a:r>
-              <a:rPr lang="zh-CN" altLang="en-US" dirty="0"/>
+              <a:rPr lang="zh-CN" altLang="en-US" dirty="0" smtClean="0"/>
+              <a:t>编译 </a:t>
+            </a:r>
+            <a:r>
+              <a:rPr lang="en-US" altLang="zh-CN" dirty="0" smtClean="0"/>
+              <a:t>– </a:t>
+            </a:r>
+            <a:r>
+              <a:rPr lang="zh-CN" altLang="en-US" dirty="0" smtClean="0"/>
+              <a:t>支持</a:t>
+            </a:r>
+            <a:r>
+              <a:rPr lang="en-US" altLang="zh-CN" dirty="0" err="1" smtClean="0"/>
+              <a:t>linux</a:t>
+            </a:r>
+            <a:r>
+              <a:rPr lang="zh-CN" altLang="en-US" dirty="0" smtClean="0"/>
               <a:t>和</a:t>
             </a:r>
             <a:r>
-              <a:rPr lang="en-US" altLang="zh-CN" dirty="0" err="1"/>
-              <a:t>QGraphicsScene</a:t>
-            </a:r>
-            <a:r>
-              <a:rPr lang="zh-CN" altLang="en-US" dirty="0"/>
-              <a:t>管理图形项</a:t>
-            </a:r>
+              <a:rPr lang="en-US" altLang="zh-CN" dirty="0" smtClean="0"/>
+              <a:t>Windows</a:t>
+            </a:r>
+          </a:p>
+          <a:p>
+            <a:pPr lvl="1"/>
+            <a:r>
+              <a:rPr lang="en-US" altLang="zh-CN" dirty="0" err="1" smtClean="0"/>
+              <a:t>Cmake</a:t>
+            </a:r>
+            <a:endParaRPr lang="en-US" altLang="zh-CN" dirty="0" smtClean="0"/>
+          </a:p>
+          <a:p>
+            <a:pPr lvl="1"/>
+            <a:endParaRPr lang="zh-CN" altLang="en-US" dirty="0"/>
           </a:p>
         </p:txBody>
       </p:sp>
     </p:spTree>
     <p:extLst>
       <p:ext uri="{BB962C8B-B14F-4D97-AF65-F5344CB8AC3E}">
-        <p14:creationId xmlns:p14="http://schemas.microsoft.com/office/powerpoint/2010/main" val="444530801"/>
+        <p14:creationId xmlns:p14="http://schemas.microsoft.com/office/powerpoint/2010/main" val="2143226914"/>
       </p:ext>
     </p:extLst>
   </p:cSld>
   <p:clrMapOvr>
     <a:masterClrMapping/>
   </p:clrMapOvr>
-  <p:timing>
-    <p:tnLst>
-      <p:par>
-        <p:cTn id="1" dur="indefinite" restart="never" nodeType="tmRoot"/>
-      </p:par>
-    </p:tnLst>
-  </p:timing>
 </p:sld>
 </file>
 
@@ -8812,14 +8950,21 @@
                 <a:latin typeface="华文楷体" pitchFamily="2" charset="-122"/>
                 <a:ea typeface="华文楷体" pitchFamily="2" charset="-122"/>
               </a:rPr>
-              <a:t>章 添加</a:t>
+              <a:t>章 </a:t>
+            </a:r>
+            <a:r>
+              <a:rPr lang="zh-CN" altLang="en-US" b="1" dirty="0" smtClean="0">
+                <a:latin typeface="华文楷体" pitchFamily="2" charset="-122"/>
+                <a:ea typeface="华文楷体" pitchFamily="2" charset="-122"/>
+              </a:rPr>
+              <a:t>创建</a:t>
             </a:r>
             <a:r>
               <a:rPr lang="zh-CN" altLang="en-US" b="1" dirty="0">
                 <a:latin typeface="华文楷体" pitchFamily="2" charset="-122"/>
                 <a:ea typeface="华文楷体" pitchFamily="2" charset="-122"/>
               </a:rPr>
-              <a:t>白板的高级功能</a:t>
+              <a:t>白板基本功能</a:t>
             </a:r>
             <a:endParaRPr lang="zh-CN" altLang="en-US" dirty="0"/>
           </a:p>
@@ -8842,38 +8987,51 @@
           <a:p>
             <a:r>
               <a:rPr lang="zh-CN" altLang="en-US" dirty="0"/>
-              <a:t>支持清空画布和保存图像</a:t>
-            </a:r>
-          </a:p>
-          <a:p>
+              <a:t>使用</a:t>
+            </a:r>
+            <a:r>
+              <a:rPr lang="en-US" altLang="zh-CN" dirty="0" err="1"/>
+              <a:t>QGraphicsItem</a:t>
+            </a:r>
             <a:r>
               <a:rPr lang="zh-CN" altLang="en-US" dirty="0"/>
-              <a:t>添加动态绘制效果</a:t>
+              <a:t>绘制自由手写的图形</a:t>
             </a:r>
           </a:p>
           <a:p>
             <a:r>
               <a:rPr lang="zh-CN" altLang="en-US" dirty="0"/>
-              <a:t>优化性能和代码</a:t>
-            </a:r>
-            <a:r>
-              <a:rPr lang="zh-CN" altLang="en-US" dirty="0" smtClean="0"/>
-              <a:t>结构</a:t>
-            </a:r>
-            <a:endParaRPr lang="en-US" altLang="zh-CN" dirty="0" smtClean="0"/>
-          </a:p>
-          <a:p>
-            <a:pPr marL="0" indent="0">
-              <a:buNone/>
-            </a:pPr>
-            <a:endParaRPr lang="zh-CN" altLang="en-US" dirty="0"/>
+              <a:t>介绍如何处理鼠标事件</a:t>
+            </a:r>
+          </a:p>
+          <a:p>
+            <a:r>
+              <a:rPr lang="zh-CN" altLang="en-US" dirty="0"/>
+              <a:t>通过</a:t>
+            </a:r>
+            <a:r>
+              <a:rPr lang="en-US" altLang="zh-CN" dirty="0" err="1"/>
+              <a:t>QGraphicsView</a:t>
+            </a:r>
+            <a:r>
+              <a:rPr lang="zh-CN" altLang="en-US" dirty="0"/>
+              <a:t>和</a:t>
+            </a:r>
+            <a:r>
+              <a:rPr lang="en-US" altLang="zh-CN" dirty="0" err="1"/>
+              <a:t>QGraphicsScene</a:t>
+            </a:r>
+            <a:r>
+              <a:rPr lang="zh-CN" altLang="en-US" dirty="0"/>
+              <a:t>管理图形项</a:t>
+            </a:r>
           </a:p>
         </p:txBody>
       </p:sp>
     </p:spTree>
     <p:extLst>
       <p:ext uri="{BB962C8B-B14F-4D97-AF65-F5344CB8AC3E}">
-        <p14:creationId xmlns:p14="http://schemas.microsoft.com/office/powerpoint/2010/main" val="3528018120"/>
+        <p14:creationId xmlns:p14="http://schemas.microsoft.com/office/powerpoint/2010/main" val="444530801"/>
       </p:ext>
     </p:extLst>
   </p:cSld>

--- a/docs/draw.pptx
+++ b/docs/draw.pptx
@@ -7796,14 +7796,7 @@
                 <a:latin typeface="华文楷体" pitchFamily="2" charset="-122"/>
                 <a:ea typeface="华文楷体" pitchFamily="2" charset="-122"/>
               </a:rPr>
-              <a:t>章 </a:t>
-            </a:r>
-            <a:r>
-              <a:rPr lang="zh-CN" altLang="en-US" b="1" dirty="0" smtClean="0">
-                <a:latin typeface="华文楷体" pitchFamily="2" charset="-122"/>
-                <a:ea typeface="华文楷体" pitchFamily="2" charset="-122"/>
-              </a:rPr>
-              <a:t>添加</a:t>
+              <a:t>章 添加</a:t>
             </a:r>
             <a:r>
               <a:rPr lang="zh-CN" altLang="en-US" b="1" dirty="0">
@@ -8139,7 +8132,14 @@
                 <a:latin typeface="华文楷体" pitchFamily="2" charset="-122"/>
                 <a:ea typeface="华文楷体" pitchFamily="2" charset="-122"/>
               </a:rPr>
-              <a:t>章 课程介绍</a:t>
+              <a:t>章 </a:t>
+            </a:r>
+            <a:r>
+              <a:rPr lang="zh-CN" altLang="en-US" b="1" dirty="0" smtClean="0">
+                <a:latin typeface="华文楷体" pitchFamily="2" charset="-122"/>
+                <a:ea typeface="华文楷体" pitchFamily="2" charset="-122"/>
+              </a:rPr>
+              <a:t>课程介绍</a:t>
             </a:r>
             <a:endParaRPr lang="zh-CN" altLang="en-US" dirty="0"/>
           </a:p>
@@ -8198,6 +8198,23 @@
               <a:rPr lang="en-US" altLang="zh-CN" dirty="0" err="1" smtClean="0"/>
               <a:t>Git</a:t>
             </a:r>
+            <a:endParaRPr lang="en-US" altLang="zh-CN" dirty="0" smtClean="0"/>
+          </a:p>
+          <a:p>
+            <a:r>
+              <a:rPr lang="zh-CN" altLang="en-US" dirty="0" smtClean="0"/>
+              <a:t>日志</a:t>
+            </a:r>
+            <a:endParaRPr lang="en-US" altLang="zh-CN" dirty="0" smtClean="0"/>
+          </a:p>
+          <a:p>
+            <a:r>
+              <a:rPr lang="zh-CN" altLang="en-US" dirty="0" smtClean="0"/>
+              <a:t>打开和保存</a:t>
+            </a:r>
+            <a:endParaRPr lang="en-US" altLang="zh-CN" dirty="0" smtClean="0"/>
+          </a:p>
+          <a:p>
             <a:endParaRPr lang="en-US" altLang="zh-CN" dirty="0" smtClean="0"/>
           </a:p>
           <a:p>
@@ -8269,14 +8286,7 @@
                 <a:latin typeface="华文楷体" pitchFamily="2" charset="-122"/>
                 <a:ea typeface="华文楷体" pitchFamily="2" charset="-122"/>
               </a:rPr>
-              <a:t>章 </a:t>
-            </a:r>
-            <a:r>
-              <a:rPr lang="zh-CN" altLang="en-US" b="1" dirty="0" smtClean="0">
-                <a:latin typeface="华文楷体" pitchFamily="2" charset="-122"/>
-                <a:ea typeface="华文楷体" pitchFamily="2" charset="-122"/>
-              </a:rPr>
-              <a:t>介绍</a:t>
+              <a:t>章 介绍</a:t>
             </a:r>
             <a:r>
               <a:rPr lang="en-US" altLang="zh-CN" b="1" dirty="0" err="1">
@@ -8950,14 +8960,7 @@
                 <a:latin typeface="华文楷体" pitchFamily="2" charset="-122"/>
                 <a:ea typeface="华文楷体" pitchFamily="2" charset="-122"/>
               </a:rPr>
-              <a:t>章 </a:t>
-            </a:r>
-            <a:r>
-              <a:rPr lang="zh-CN" altLang="en-US" b="1" dirty="0" smtClean="0">
-                <a:latin typeface="华文楷体" pitchFamily="2" charset="-122"/>
-                <a:ea typeface="华文楷体" pitchFamily="2" charset="-122"/>
-              </a:rPr>
-              <a:t>创建</a:t>
+              <a:t>章 创建</a:t>
             </a:r>
             <a:r>
               <a:rPr lang="zh-CN" altLang="en-US" b="1" dirty="0">
